--- a/시공조 - 수돈물 발표.pptx
+++ b/시공조 - 수돈물 발표.pptx
@@ -334,11 +334,11 @@
         </c:dLbls>
         <c:marker val="1"/>
         <c:smooth val="0"/>
-        <c:axId val="241165440"/>
-        <c:axId val="241166976"/>
+        <c:axId val="162788480"/>
+        <c:axId val="162790016"/>
       </c:lineChart>
       <c:catAx>
-        <c:axId val="241165440"/>
+        <c:axId val="162788480"/>
         <c:scaling>
           <c:orientation val="minMax"/>
         </c:scaling>
@@ -348,7 +348,7 @@
         <c:majorTickMark val="out"/>
         <c:minorTickMark val="none"/>
         <c:tickLblPos val="nextTo"/>
-        <c:crossAx val="241166976"/>
+        <c:crossAx val="162790016"/>
         <c:crosses val="autoZero"/>
         <c:auto val="1"/>
         <c:lblAlgn val="ctr"/>
@@ -356,7 +356,7 @@
         <c:noMultiLvlLbl val="0"/>
       </c:catAx>
       <c:valAx>
-        <c:axId val="241166976"/>
+        <c:axId val="162790016"/>
         <c:scaling>
           <c:orientation val="minMax"/>
         </c:scaling>
@@ -367,7 +367,7 @@
         <c:majorTickMark val="out"/>
         <c:minorTickMark val="none"/>
         <c:tickLblPos val="nextTo"/>
-        <c:crossAx val="241165440"/>
+        <c:crossAx val="162788480"/>
         <c:crosses val="autoZero"/>
         <c:crossBetween val="between"/>
       </c:valAx>
